--- a/docs/Capstone Presentation.pptx
+++ b/docs/Capstone Presentation.pptx
@@ -6833,15 +6833,7 @@
             <a:pPr algn="ctr"/>
             <a:r>
               <a:rPr lang="en-US" dirty="0"/>
-              <a:t>Giuseppe Ragusa: </a:t>
-            </a:r>
-            <a:r>
-              <a:rPr lang="en-US" dirty="0" err="1"/>
-              <a:t>Scurm</a:t>
-            </a:r>
-            <a:r>
-              <a:rPr lang="en-US" dirty="0"/>
-              <a:t> Master</a:t>
+              <a:t>Giuseppe Ragusa: Scrum Master</a:t>
             </a:r>
           </a:p>
           <a:p>
@@ -6943,6 +6935,42 @@
           <a:chExt cx="0" cy="0"/>
         </a:xfrm>
       </p:grpSpPr>
+      <p:pic>
+        <p:nvPicPr>
+          <p:cNvPr id="3" name="Picture 2" descr="A group of people rowing a boat in the water&#10;&#10;Description automatically generated">
+            <a:extLst>
+              <a:ext uri="{FF2B5EF4-FFF2-40B4-BE49-F238E27FC236}">
+                <a16:creationId xmlns:a16="http://schemas.microsoft.com/office/drawing/2014/main" id="{79BCD9AE-DBF9-43DE-94A3-CB442A65BAC9}"/>
+              </a:ext>
+            </a:extLst>
+          </p:cNvPr>
+          <p:cNvPicPr>
+            <a:picLocks noChangeAspect="1"/>
+          </p:cNvPicPr>
+          <p:nvPr/>
+        </p:nvPicPr>
+        <p:blipFill>
+          <a:blip r:embed="rId2">
+            <a:extLst>
+              <a:ext uri="{28A0092B-C50C-407E-A947-70E740481C1C}">
+                <a14:useLocalDpi xmlns:a14="http://schemas.microsoft.com/office/drawing/2010/main" val="0"/>
+              </a:ext>
+            </a:extLst>
+          </a:blip>
+          <a:stretch>
+            <a:fillRect/>
+          </a:stretch>
+        </p:blipFill>
+        <p:spPr>
+          <a:xfrm>
+            <a:off x="883191" y="0"/>
+            <a:ext cx="10239006" cy="6858000"/>
+          </a:xfrm>
+          <a:prstGeom prst="rect">
+            <a:avLst/>
+          </a:prstGeom>
+        </p:spPr>
+      </p:pic>
       <p:sp>
         <p:nvSpPr>
           <p:cNvPr id="2" name="Title 1">
@@ -6959,16 +6987,220 @@
             <p:ph type="title"/>
           </p:nvPr>
         </p:nvSpPr>
-        <p:spPr/>
+        <p:spPr>
+          <a:xfrm>
+            <a:off x="8490857" y="5291688"/>
+            <a:ext cx="3470987" cy="1325563"/>
+          </a:xfrm>
+          <a:effectLst>
+            <a:outerShdw blurRad="50800" dist="38100" dir="2700000" algn="tl" rotWithShape="0">
+              <a:prstClr val="black">
+                <a:alpha val="40000"/>
+              </a:prstClr>
+            </a:outerShdw>
+          </a:effectLst>
+        </p:spPr>
         <p:txBody>
           <a:bodyPr/>
           <a:lstStyle/>
           <a:p>
             <a:r>
-              <a:rPr lang="en-US" dirty="0"/>
-              <a:t>Questions????</a:t>
-            </a:r>
-            <a:endParaRPr lang="en-CA" dirty="0"/>
+              <a:rPr lang="en-US" dirty="0">
+                <a:solidFill>
+                  <a:schemeClr val="accent6"/>
+                </a:solidFill>
+              </a:rPr>
+              <a:t>Questions?</a:t>
+            </a:r>
+            <a:endParaRPr lang="en-CA" dirty="0">
+              <a:solidFill>
+                <a:schemeClr val="accent6"/>
+              </a:solidFill>
+            </a:endParaRPr>
+          </a:p>
+        </p:txBody>
+      </p:sp>
+      <p:sp>
+        <p:nvSpPr>
+          <p:cNvPr id="4" name="Title 1">
+            <a:extLst>
+              <a:ext uri="{FF2B5EF4-FFF2-40B4-BE49-F238E27FC236}">
+                <a16:creationId xmlns:a16="http://schemas.microsoft.com/office/drawing/2014/main" id="{AECC51F9-7B23-4F65-AECA-154C8FE2E15D}"/>
+              </a:ext>
+            </a:extLst>
+          </p:cNvPr>
+          <p:cNvSpPr txBox="1">
+            <a:spLocks/>
+          </p:cNvSpPr>
+          <p:nvPr/>
+        </p:nvSpPr>
+        <p:spPr>
+          <a:xfrm>
+            <a:off x="1253412" y="228276"/>
+            <a:ext cx="2740090" cy="1325563"/>
+          </a:xfrm>
+          <a:prstGeom prst="rect">
+            <a:avLst/>
+          </a:prstGeom>
+          <a:effectLst>
+            <a:outerShdw blurRad="50800" dist="38100" dir="2700000" algn="tl" rotWithShape="0">
+              <a:prstClr val="black">
+                <a:alpha val="40000"/>
+              </a:prstClr>
+            </a:outerShdw>
+          </a:effectLst>
+        </p:spPr>
+        <p:txBody>
+          <a:bodyPr vert="horz" lIns="91440" tIns="45720" rIns="91440" bIns="45720" rtlCol="0" anchor="ctr">
+            <a:normAutofit/>
+          </a:bodyPr>
+          <a:lstStyle>
+            <a:lvl1pPr algn="l" defTabSz="914400" rtl="0" eaLnBrk="1" latinLnBrk="0" hangingPunct="1">
+              <a:lnSpc>
+                <a:spcPct val="90000"/>
+              </a:lnSpc>
+              <a:spcBef>
+                <a:spcPct val="0"/>
+              </a:spcBef>
+              <a:buNone/>
+              <a:defRPr sz="5400" b="0" kern="1200">
+                <a:gradFill flip="none" rotWithShape="1">
+                  <a:gsLst>
+                    <a:gs pos="28000">
+                      <a:schemeClr val="tx1">
+                        <a:lumMod val="93000"/>
+                      </a:schemeClr>
+                    </a:gs>
+                    <a:gs pos="0">
+                      <a:schemeClr val="bg1">
+                        <a:lumMod val="25000"/>
+                        <a:lumOff val="75000"/>
+                      </a:schemeClr>
+                    </a:gs>
+                    <a:gs pos="100000">
+                      <a:schemeClr val="tx2">
+                        <a:lumMod val="0"/>
+                        <a:lumOff val="100000"/>
+                      </a:schemeClr>
+                    </a:gs>
+                  </a:gsLst>
+                  <a:lin ang="4800000" scaled="0"/>
+                  <a:tileRect/>
+                </a:gradFill>
+                <a:latin typeface="+mj-lt"/>
+                <a:ea typeface="+mj-ea"/>
+                <a:cs typeface="+mj-cs"/>
+              </a:defRPr>
+            </a:lvl1pPr>
+          </a:lstStyle>
+          <a:p>
+            <a:r>
+              <a:rPr lang="en-US" dirty="0">
+                <a:solidFill>
+                  <a:schemeClr val="accent6"/>
+                </a:solidFill>
+              </a:rPr>
+              <a:t>Finnish</a:t>
+            </a:r>
+            <a:endParaRPr lang="en-CA" dirty="0">
+              <a:solidFill>
+                <a:schemeClr val="accent6"/>
+              </a:solidFill>
+            </a:endParaRPr>
+          </a:p>
+        </p:txBody>
+      </p:sp>
+      <p:sp>
+        <p:nvSpPr>
+          <p:cNvPr id="5" name="TextBox 4">
+            <a:extLst>
+              <a:ext uri="{FF2B5EF4-FFF2-40B4-BE49-F238E27FC236}">
+                <a16:creationId xmlns:a16="http://schemas.microsoft.com/office/drawing/2014/main" id="{54CCB081-D475-48EE-90D9-2DAED9965D31}"/>
+              </a:ext>
+            </a:extLst>
+          </p:cNvPr>
+          <p:cNvSpPr txBox="1"/>
+          <p:nvPr/>
+        </p:nvSpPr>
+        <p:spPr>
+          <a:xfrm>
+            <a:off x="1296124" y="1110343"/>
+            <a:ext cx="3656770" cy="523220"/>
+          </a:xfrm>
+          <a:prstGeom prst="rect">
+            <a:avLst/>
+          </a:prstGeom>
+          <a:noFill/>
+          <a:effectLst>
+            <a:outerShdw blurRad="50800" dist="38100" dir="2700000" algn="tl" rotWithShape="0">
+              <a:prstClr val="black">
+                <a:alpha val="40000"/>
+              </a:prstClr>
+            </a:outerShdw>
+          </a:effectLst>
+        </p:spPr>
+        <p:txBody>
+          <a:bodyPr wrap="none" rtlCol="0">
+            <a:spAutoFit/>
+          </a:bodyPr>
+          <a:lstStyle/>
+          <a:p>
+            <a:r>
+              <a:rPr lang="en-US" sz="2800" dirty="0"/>
+              <a:t>Thankyou for your time</a:t>
+            </a:r>
+            <a:endParaRPr lang="en-CA" sz="2800" dirty="0"/>
+          </a:p>
+        </p:txBody>
+      </p:sp>
+      <p:sp>
+        <p:nvSpPr>
+          <p:cNvPr id="6" name="TextBox 5">
+            <a:extLst>
+              <a:ext uri="{FF2B5EF4-FFF2-40B4-BE49-F238E27FC236}">
+                <a16:creationId xmlns:a16="http://schemas.microsoft.com/office/drawing/2014/main" id="{0BC9EFDB-755A-4CD5-96E6-FF20EA0C245A}"/>
+              </a:ext>
+            </a:extLst>
+          </p:cNvPr>
+          <p:cNvSpPr txBox="1"/>
+          <p:nvPr/>
+        </p:nvSpPr>
+        <p:spPr>
+          <a:xfrm>
+            <a:off x="7769185" y="5692859"/>
+            <a:ext cx="721672" cy="523220"/>
+          </a:xfrm>
+          <a:prstGeom prst="rect">
+            <a:avLst/>
+          </a:prstGeom>
+          <a:noFill/>
+          <a:effectLst>
+            <a:outerShdw blurRad="50800" dist="38100" dir="2700000" algn="tl" rotWithShape="0">
+              <a:prstClr val="black">
+                <a:alpha val="40000"/>
+              </a:prstClr>
+            </a:outerShdw>
+          </a:effectLst>
+        </p:spPr>
+        <p:txBody>
+          <a:bodyPr wrap="none" rtlCol="0">
+            <a:spAutoFit/>
+          </a:bodyPr>
+          <a:lstStyle/>
+          <a:p>
+            <a:r>
+              <a:rPr lang="en-US" sz="2800" dirty="0">
+                <a:solidFill>
+                  <a:schemeClr val="accent6"/>
+                </a:solidFill>
+              </a:rPr>
+              <a:t>any</a:t>
+            </a:r>
+            <a:endParaRPr lang="en-CA" sz="2800" dirty="0">
+              <a:solidFill>
+                <a:schemeClr val="accent6"/>
+              </a:solidFill>
+            </a:endParaRPr>
           </a:p>
         </p:txBody>
       </p:sp>
@@ -7023,6 +7255,13 @@
             <a:off x="838200" y="365126"/>
             <a:ext cx="10515600" cy="1294342"/>
           </a:xfrm>
+          <a:effectLst>
+            <a:outerShdw blurRad="50800" dist="38100" dir="2700000" algn="tl" rotWithShape="0">
+              <a:prstClr val="black">
+                <a:alpha val="40000"/>
+              </a:prstClr>
+            </a:outerShdw>
+          </a:effectLst>
         </p:spPr>
         <p:txBody>
           <a:bodyPr/>
@@ -7167,7 +7406,15 @@
             <p:ph type="title"/>
           </p:nvPr>
         </p:nvSpPr>
-        <p:spPr/>
+        <p:spPr>
+          <a:effectLst>
+            <a:outerShdw blurRad="50800" dist="38100" dir="2700000" algn="tl" rotWithShape="0">
+              <a:prstClr val="black">
+                <a:alpha val="40000"/>
+              </a:prstClr>
+            </a:outerShdw>
+          </a:effectLst>
+        </p:spPr>
         <p:txBody>
           <a:bodyPr/>
           <a:lstStyle/>
@@ -7359,6 +7606,13 @@
             <a:off x="2447426" y="213817"/>
             <a:ext cx="7297147" cy="1325563"/>
           </a:xfrm>
+          <a:effectLst>
+            <a:outerShdw blurRad="50800" dist="38100" dir="2700000" algn="tl" rotWithShape="0">
+              <a:prstClr val="black">
+                <a:alpha val="40000"/>
+              </a:prstClr>
+            </a:outerShdw>
+          </a:effectLst>
         </p:spPr>
         <p:txBody>
           <a:bodyPr/>
@@ -7391,7 +7645,7 @@
             <p:ph idx="1"/>
             <p:extLst>
               <p:ext uri="{D42A27DB-BD31-4B8C-83A1-F6EECF244321}">
-                <p14:modId xmlns:p14="http://schemas.microsoft.com/office/powerpoint/2010/main" val="1932919350"/>
+                <p14:modId xmlns:p14="http://schemas.microsoft.com/office/powerpoint/2010/main" val="449111369"/>
               </p:ext>
             </p:extLst>
           </p:nvPr>
@@ -7404,6 +7658,11 @@
           <a:graphicData uri="http://schemas.openxmlformats.org/drawingml/2006/table">
             <a:tbl>
               <a:tblPr firstRow="1" firstCol="1" lastRow="1" lastCol="1" bandRow="1" bandCol="1">
+                <a:effectLst>
+                  <a:innerShdw blurRad="114300">
+                    <a:prstClr val="black"/>
+                  </a:innerShdw>
+                </a:effectLst>
                 <a:tableStyleId>{69012ECD-51FC-41F1-AA8D-1B2483CD663E}</a:tableStyleId>
               </a:tblPr>
               <a:tblGrid>
@@ -7438,6 +7697,9 @@
                       </a:pPr>
                       <a:r>
                         <a:rPr lang="en-US" sz="3200" dirty="0">
+                          <a:solidFill>
+                            <a:schemeClr val="accent6"/>
+                          </a:solidFill>
                           <a:effectLst/>
                         </a:rPr>
                         <a:t>Information Flows</a:t>
@@ -7454,6 +7716,15 @@
                     </a:p>
                   </a:txBody>
                   <a:tcPr marL="68580" marR="68580" marT="0" marB="0" anchor="ctr">
+                    <a:lnR w="12700" cap="flat" cmpd="sng" algn="ctr">
+                      <a:solidFill>
+                        <a:schemeClr val="tx1"/>
+                      </a:solidFill>
+                      <a:prstDash val="solid"/>
+                      <a:round/>
+                      <a:headEnd type="none" w="med" len="med"/>
+                      <a:tailEnd type="none" w="med" len="med"/>
+                    </a:lnR>
                     <a:lnB w="12700" cap="flat" cmpd="sng" algn="ctr">
                       <a:solidFill>
                         <a:schemeClr val="tx2"/>
@@ -7480,6 +7751,9 @@
                       </a:pPr>
                       <a:r>
                         <a:rPr lang="en-US" sz="3200" dirty="0">
+                          <a:solidFill>
+                            <a:schemeClr val="accent6"/>
+                          </a:solidFill>
                           <a:effectLst/>
                         </a:rPr>
                         <a:t>Description</a:t>
@@ -7496,6 +7770,15 @@
                     </a:p>
                   </a:txBody>
                   <a:tcPr marL="68580" marR="68580" marT="0" marB="0" anchor="ctr">
+                    <a:lnL w="12700" cap="flat" cmpd="sng" algn="ctr">
+                      <a:solidFill>
+                        <a:schemeClr val="tx1"/>
+                      </a:solidFill>
+                      <a:prstDash val="solid"/>
+                      <a:round/>
+                      <a:headEnd type="none" w="med" len="med"/>
+                      <a:tailEnd type="none" w="med" len="med"/>
+                    </a:lnL>
                     <a:lnB w="12700" cap="flat" cmpd="sng" algn="ctr">
                       <a:solidFill>
                         <a:schemeClr val="tx2"/>
@@ -7553,7 +7836,7 @@
                     </a:lnL>
                     <a:lnR w="12700" cap="flat" cmpd="sng" algn="ctr">
                       <a:solidFill>
-                        <a:schemeClr val="tx2"/>
+                        <a:schemeClr val="tx1"/>
                       </a:solidFill>
                       <a:prstDash val="solid"/>
                       <a:round/>
@@ -7610,7 +7893,7 @@
                   <a:tcPr marL="68580" marR="68580" marT="0" marB="0">
                     <a:lnL w="12700" cap="flat" cmpd="sng" algn="ctr">
                       <a:solidFill>
-                        <a:schemeClr val="tx2"/>
+                        <a:schemeClr val="tx1"/>
                       </a:solidFill>
                       <a:prstDash val="solid"/>
                       <a:round/>
@@ -7692,7 +7975,7 @@
                     </a:lnL>
                     <a:lnR w="12700" cap="flat" cmpd="sng" algn="ctr">
                       <a:solidFill>
-                        <a:schemeClr val="tx2"/>
+                        <a:schemeClr val="tx1"/>
                       </a:solidFill>
                       <a:prstDash val="solid"/>
                       <a:round/>
@@ -7743,7 +8026,7 @@
                   <a:tcPr marL="68580" marR="68580" marT="0" marB="0">
                     <a:lnL w="12700" cap="flat" cmpd="sng" algn="ctr">
                       <a:solidFill>
-                        <a:schemeClr val="tx2"/>
+                        <a:schemeClr val="tx1"/>
                       </a:solidFill>
                       <a:prstDash val="solid"/>
                       <a:round/>
@@ -7834,7 +8117,7 @@
                     </a:lnL>
                     <a:lnR w="12700" cap="flat" cmpd="sng" algn="ctr">
                       <a:solidFill>
-                        <a:schemeClr val="tx2"/>
+                        <a:schemeClr val="tx1"/>
                       </a:solidFill>
                       <a:prstDash val="solid"/>
                       <a:round/>
@@ -7900,7 +8183,7 @@
                   <a:tcPr marL="68580" marR="68580" marT="0" marB="0">
                     <a:lnL w="12700" cap="flat" cmpd="sng" algn="ctr">
                       <a:solidFill>
-                        <a:schemeClr val="tx2"/>
+                        <a:schemeClr val="tx1"/>
                       </a:solidFill>
                       <a:prstDash val="solid"/>
                       <a:round/>
@@ -7948,6 +8231,31 @@
                     <a:bodyPr/>
                     <a:lstStyle/>
                     <a:p>
+                      <a:pPr marL="0" marR="0" lvl="0" indent="0" algn="l" defTabSz="914400" rtl="0" eaLnBrk="1" fontAlgn="auto" latinLnBrk="0" hangingPunct="1">
+                        <a:lnSpc>
+                          <a:spcPct val="100000"/>
+                        </a:lnSpc>
+                        <a:spcBef>
+                          <a:spcPts val="0"/>
+                        </a:spcBef>
+                        <a:spcAft>
+                          <a:spcPts val="0"/>
+                        </a:spcAft>
+                        <a:buClrTx/>
+                        <a:buSzTx/>
+                        <a:buFontTx/>
+                        <a:buNone/>
+                        <a:tabLst/>
+                        <a:defRPr/>
+                      </a:pPr>
+                      <a:r>
+                        <a:rPr lang="en-US" sz="3200" dirty="0">
+                          <a:effectLst/>
+                        </a:rPr>
+                        <a:t>Report performance</a:t>
+                      </a:r>
+                    </a:p>
+                    <a:p>
                       <a:pPr marL="0" marR="0">
                         <a:spcBef>
                           <a:spcPts val="0"/>
@@ -7956,13 +8264,7 @@
                           <a:spcPts val="0"/>
                         </a:spcAft>
                       </a:pPr>
-                      <a:r>
-                        <a:rPr lang="en-US" sz="3200">
-                          <a:effectLst/>
-                        </a:rPr>
-                        <a:t>Team Statistics</a:t>
-                      </a:r>
-                      <a:endParaRPr lang="en-US" sz="3200">
+                      <a:endParaRPr lang="en-US" sz="3200" dirty="0">
                         <a:effectLst/>
                         <a:latin typeface="Arial" panose="020B0604020202020204" pitchFamily="34" charset="0"/>
                         <a:ea typeface="Times New Roman" panose="02020603050405020304" pitchFamily="18" charset="0"/>
@@ -7982,7 +8284,7 @@
                     </a:lnL>
                     <a:lnR w="12700" cap="flat" cmpd="sng" algn="ctr">
                       <a:solidFill>
-                        <a:schemeClr val="tx2"/>
+                        <a:schemeClr val="tx1"/>
                       </a:solidFill>
                       <a:prstDash val="solid"/>
                       <a:round/>
@@ -8014,6 +8316,31 @@
                     <a:bodyPr/>
                     <a:lstStyle/>
                     <a:p>
+                      <a:pPr marL="0" marR="0" lvl="0" indent="0" algn="l" defTabSz="914400" rtl="0" eaLnBrk="1" fontAlgn="auto" latinLnBrk="0" hangingPunct="1">
+                        <a:lnSpc>
+                          <a:spcPct val="100000"/>
+                        </a:lnSpc>
+                        <a:spcBef>
+                          <a:spcPts val="0"/>
+                        </a:spcBef>
+                        <a:spcAft>
+                          <a:spcPts val="0"/>
+                        </a:spcAft>
+                        <a:buClrTx/>
+                        <a:buSzTx/>
+                        <a:buFontTx/>
+                        <a:buNone/>
+                        <a:tabLst/>
+                        <a:defRPr/>
+                      </a:pPr>
+                      <a:r>
+                        <a:rPr lang="en-US" sz="3200">
+                          <a:effectLst/>
+                        </a:rPr>
+                        <a:t>Live report of current speed and position</a:t>
+                      </a:r>
+                    </a:p>
+                    <a:p>
                       <a:pPr marL="0" marR="0">
                         <a:spcBef>
                           <a:spcPts val="0"/>
@@ -8022,12 +8349,6 @@
                           <a:spcPts val="0"/>
                         </a:spcAft>
                       </a:pPr>
-                      <a:r>
-                        <a:rPr lang="en-US" sz="3200" dirty="0">
-                          <a:effectLst/>
-                        </a:rPr>
-                        <a:t>App reports speed vs time graph and show route of boat after race</a:t>
-                      </a:r>
                       <a:endParaRPr lang="en-US" sz="3200" dirty="0">
                         <a:effectLst/>
                         <a:latin typeface="Arial" panose="020B0604020202020204" pitchFamily="34" charset="0"/>
@@ -8039,7 +8360,7 @@
                   <a:tcPr marL="68580" marR="68580" marT="0" marB="0">
                     <a:lnL w="12700" cap="flat" cmpd="sng" algn="ctr">
                       <a:solidFill>
-                        <a:schemeClr val="tx2"/>
+                        <a:schemeClr val="tx1"/>
                       </a:solidFill>
                       <a:prstDash val="solid"/>
                       <a:round/>
@@ -8096,21 +8417,11 @@
                         </a:spcAft>
                       </a:pPr>
                       <a:r>
-                        <a:rPr lang="en-US" sz="3200" dirty="0">
+                        <a:rPr lang="en-US" sz="3200">
                           <a:effectLst/>
                         </a:rPr>
-                        <a:t>Report performance</a:t>
+                        <a:t>Team Statistics</a:t>
                       </a:r>
-                    </a:p>
-                    <a:p>
-                      <a:pPr marL="0" marR="0">
-                        <a:spcBef>
-                          <a:spcPts val="0"/>
-                        </a:spcBef>
-                        <a:spcAft>
-                          <a:spcPts val="0"/>
-                        </a:spcAft>
-                      </a:pPr>
                       <a:endParaRPr lang="en-US" sz="3200" dirty="0">
                         <a:effectLst/>
                         <a:latin typeface="Arial" panose="020B0604020202020204" pitchFamily="34" charset="0"/>
@@ -8131,7 +8442,7 @@
                     </a:lnL>
                     <a:lnR w="12700" cap="flat" cmpd="sng" algn="ctr">
                       <a:solidFill>
-                        <a:schemeClr val="tx2"/>
+                        <a:schemeClr val="tx1"/>
                       </a:solidFill>
                       <a:prstDash val="solid"/>
                       <a:round/>
@@ -8163,26 +8474,35 @@
                     <a:bodyPr/>
                     <a:lstStyle/>
                     <a:p>
-                      <a:pPr marL="0" marR="0">
+                      <a:pPr marL="0" marR="0" lvl="0" indent="0" algn="l" defTabSz="914400" rtl="0" eaLnBrk="1" fontAlgn="auto" latinLnBrk="0" hangingPunct="1">
+                        <a:lnSpc>
+                          <a:spcPct val="100000"/>
+                        </a:lnSpc>
                         <a:spcBef>
                           <a:spcPts val="0"/>
                         </a:spcBef>
                         <a:spcAft>
                           <a:spcPts val="0"/>
                         </a:spcAft>
+                        <a:buClrTx/>
+                        <a:buSzTx/>
+                        <a:buFontTx/>
+                        <a:buNone/>
+                        <a:tabLst/>
+                        <a:defRPr/>
                       </a:pPr>
                       <a:r>
                         <a:rPr lang="en-US" sz="3200" dirty="0">
                           <a:effectLst/>
                         </a:rPr>
-                        <a:t>Live report of current speed and position</a:t>
+                        <a:t>App reports speed vs time graph and show route of boat after race</a:t>
                       </a:r>
                     </a:p>
                   </a:txBody>
                   <a:tcPr marL="68580" marR="68580" marT="0" marB="0">
                     <a:lnL w="12700" cap="flat" cmpd="sng" algn="ctr">
                       <a:solidFill>
-                        <a:schemeClr val="tx2"/>
+                        <a:schemeClr val="tx1"/>
                       </a:solidFill>
                       <a:prstDash val="solid"/>
                       <a:round/>
@@ -8276,12 +8596,21 @@
         </p:nvSpPr>
         <p:spPr>
           <a:xfrm>
-            <a:off x="4064863" y="288680"/>
-            <a:ext cx="4062274" cy="1325563"/>
+            <a:off x="2265285" y="288680"/>
+            <a:ext cx="7661430" cy="1325563"/>
           </a:xfrm>
+          <a:effectLst>
+            <a:outerShdw blurRad="50800" dist="38100" dir="2700000" algn="tl" rotWithShape="0">
+              <a:prstClr val="black">
+                <a:alpha val="40000"/>
+              </a:prstClr>
+            </a:outerShdw>
+          </a:effectLst>
         </p:spPr>
         <p:txBody>
-          <a:bodyPr/>
+          <a:bodyPr>
+            <a:normAutofit/>
+          </a:bodyPr>
           <a:lstStyle/>
           <a:p>
             <a:r>
@@ -8290,7 +8619,7 @@
                   <a:schemeClr val="accent6"/>
                 </a:solidFill>
               </a:rPr>
-              <a:t>Project Plan</a:t>
+              <a:t>Project Plan : Deliverables</a:t>
             </a:r>
           </a:p>
         </p:txBody>
@@ -8383,10 +8712,6 @@
               <a:rPr lang="en-CA" sz="2200" dirty="0"/>
               <a:t>An option to save the current layout and to load previously saved layouts</a:t>
             </a:r>
-            <a:endParaRPr lang="en-US" sz="2200" dirty="0">
-              <a:latin typeface="Times New Roman" panose="02020603050405020304" pitchFamily="18" charset="0"/>
-              <a:ea typeface="Times New Roman" panose="02020603050405020304" pitchFamily="18" charset="0"/>
-            </a:endParaRPr>
           </a:p>
           <a:p>
             <a:pPr marL="285750" indent="-285750">
@@ -8398,7 +8723,7 @@
             </a:pPr>
             <a:r>
               <a:rPr lang="en-CA" sz="2200" dirty="0"/>
-              <a:t>The ability to save the current route the boat recently took, and load previous routes.</a:t>
+              <a:t>A tab displaying information regarding the boat’s performance</a:t>
             </a:r>
             <a:endParaRPr lang="en-US" sz="2200" dirty="0">
               <a:latin typeface="Times New Roman" panose="02020603050405020304" pitchFamily="18" charset="0"/>
@@ -8415,7 +8740,7 @@
             </a:pPr>
             <a:r>
               <a:rPr lang="en-CA" sz="2200" dirty="0"/>
-              <a:t>A tab displaying information regarding the boat’s performance</a:t>
+              <a:t>The ability to save the current route the boat recently took, and load previous routes.</a:t>
             </a:r>
             <a:endParaRPr lang="en-US" sz="2200" dirty="0">
               <a:latin typeface="Times New Roman" panose="02020603050405020304" pitchFamily="18" charset="0"/>
@@ -8558,7 +8883,7 @@
                 <a:latin typeface="+mj-lt"/>
                 <a:ea typeface="Times New Roman" panose="02020603050405020304" pitchFamily="18" charset="0"/>
               </a:rPr>
-              <a:t>Map providing the location of the boat team with routes.</a:t>
+              <a:t>Map providing the location of the boat.</a:t>
             </a:r>
           </a:p>
           <a:p>
@@ -8573,7 +8898,7 @@
               <a:rPr lang="en-CA" sz="2000" dirty="0">
                 <a:latin typeface="+mj-lt"/>
               </a:rPr>
-              <a:t>Information about the boat’s performance during races</a:t>
+              <a:t>Information about the boat’s performance during races.</a:t>
             </a:r>
             <a:endParaRPr lang="en-CA" sz="2000" dirty="0">
               <a:latin typeface="+mj-lt"/>
@@ -8592,7 +8917,7 @@
               <a:rPr lang="en-CA" sz="2000" dirty="0">
                 <a:latin typeface="+mj-lt"/>
               </a:rPr>
-              <a:t>Compatibility with other mobile related platforms including tablet</a:t>
+              <a:t>Compatibility with other mobile related platforms including tablet.</a:t>
             </a:r>
           </a:p>
           <a:p>
@@ -8735,6 +9060,52 @@
             <a:endParaRPr lang="en-CA" dirty="0">
               <a:latin typeface="+mj-lt"/>
             </a:endParaRPr>
+          </a:p>
+        </p:txBody>
+      </p:sp>
+      <p:sp>
+        <p:nvSpPr>
+          <p:cNvPr id="3" name="Title 1">
+            <a:extLst>
+              <a:ext uri="{FF2B5EF4-FFF2-40B4-BE49-F238E27FC236}">
+                <a16:creationId xmlns:a16="http://schemas.microsoft.com/office/drawing/2014/main" id="{55DD5ACF-6A1B-48A1-AAC6-272D24CCAB1B}"/>
+              </a:ext>
+            </a:extLst>
+          </p:cNvPr>
+          <p:cNvSpPr>
+            <a:spLocks noGrp="1"/>
+          </p:cNvSpPr>
+          <p:nvPr>
+            <p:ph type="title"/>
+          </p:nvPr>
+        </p:nvSpPr>
+        <p:spPr>
+          <a:xfrm>
+            <a:off x="2997693" y="387152"/>
+            <a:ext cx="6196614" cy="607147"/>
+          </a:xfrm>
+          <a:effectLst>
+            <a:outerShdw blurRad="50800" dist="38100" dir="2700000" algn="tl" rotWithShape="0">
+              <a:prstClr val="black">
+                <a:alpha val="40000"/>
+              </a:prstClr>
+            </a:outerShdw>
+          </a:effectLst>
+        </p:spPr>
+        <p:txBody>
+          <a:bodyPr>
+            <a:normAutofit fontScale="90000"/>
+          </a:bodyPr>
+          <a:lstStyle/>
+          <a:p>
+            <a:r>
+              <a:rPr lang="en-US" dirty="0">
+                <a:solidFill>
+                  <a:schemeClr val="accent6"/>
+                </a:solidFill>
+              </a:rPr>
+              <a:t>Project Plan: Scope</a:t>
+            </a:r>
           </a:p>
         </p:txBody>
       </p:sp>
@@ -8784,7 +9155,15 @@
             <p:ph type="title"/>
           </p:nvPr>
         </p:nvSpPr>
-        <p:spPr/>
+        <p:spPr>
+          <a:effectLst>
+            <a:outerShdw blurRad="50800" dist="38100" dir="2700000" algn="tl" rotWithShape="0">
+              <a:prstClr val="black">
+                <a:alpha val="40000"/>
+              </a:prstClr>
+            </a:outerShdw>
+          </a:effectLst>
+        </p:spPr>
         <p:txBody>
           <a:bodyPr/>
           <a:lstStyle/>
@@ -9144,9 +9523,16 @@
         </p:nvSpPr>
         <p:spPr>
           <a:xfrm>
-            <a:off x="5243333" y="0"/>
+            <a:off x="5268411" y="500769"/>
             <a:ext cx="1655178" cy="607147"/>
           </a:xfrm>
+          <a:effectLst>
+            <a:outerShdw blurRad="50800" dist="38100" dir="2700000" algn="tl" rotWithShape="0">
+              <a:prstClr val="black">
+                <a:alpha val="40000"/>
+              </a:prstClr>
+            </a:outerShdw>
+          </a:effectLst>
         </p:spPr>
         <p:txBody>
           <a:bodyPr>
@@ -9622,9 +10008,16 @@
         </p:nvSpPr>
         <p:spPr>
           <a:xfrm>
-            <a:off x="4064000" y="0"/>
+            <a:off x="3994498" y="408551"/>
             <a:ext cx="4731658" cy="607147"/>
           </a:xfrm>
+          <a:effectLst>
+            <a:outerShdw blurRad="50800" dist="38100" dir="2700000" algn="tl" rotWithShape="0">
+              <a:prstClr val="black">
+                <a:alpha val="40000"/>
+              </a:prstClr>
+            </a:outerShdw>
+          </a:effectLst>
         </p:spPr>
         <p:txBody>
           <a:bodyPr>

--- a/docs/Capstone Presentation.pptx
+++ b/docs/Capstone Presentation.pptx
@@ -6989,7 +6989,7 @@
         </p:nvSpPr>
         <p:spPr>
           <a:xfrm>
-            <a:off x="8490857" y="5291688"/>
+            <a:off x="7651210" y="5532437"/>
             <a:ext cx="3470987" cy="1325563"/>
           </a:xfrm>
           <a:effectLst>
@@ -7153,57 +7153,6 @@
           </a:p>
         </p:txBody>
       </p:sp>
-      <p:sp>
-        <p:nvSpPr>
-          <p:cNvPr id="6" name="TextBox 5">
-            <a:extLst>
-              <a:ext uri="{FF2B5EF4-FFF2-40B4-BE49-F238E27FC236}">
-                <a16:creationId xmlns:a16="http://schemas.microsoft.com/office/drawing/2014/main" id="{0BC9EFDB-755A-4CD5-96E6-FF20EA0C245A}"/>
-              </a:ext>
-            </a:extLst>
-          </p:cNvPr>
-          <p:cNvSpPr txBox="1"/>
-          <p:nvPr/>
-        </p:nvSpPr>
-        <p:spPr>
-          <a:xfrm>
-            <a:off x="7769185" y="5692859"/>
-            <a:ext cx="721672" cy="523220"/>
-          </a:xfrm>
-          <a:prstGeom prst="rect">
-            <a:avLst/>
-          </a:prstGeom>
-          <a:noFill/>
-          <a:effectLst>
-            <a:outerShdw blurRad="50800" dist="38100" dir="2700000" algn="tl" rotWithShape="0">
-              <a:prstClr val="black">
-                <a:alpha val="40000"/>
-              </a:prstClr>
-            </a:outerShdw>
-          </a:effectLst>
-        </p:spPr>
-        <p:txBody>
-          <a:bodyPr wrap="none" rtlCol="0">
-            <a:spAutoFit/>
-          </a:bodyPr>
-          <a:lstStyle/>
-          <a:p>
-            <a:r>
-              <a:rPr lang="en-US" sz="2800" dirty="0">
-                <a:solidFill>
-                  <a:schemeClr val="accent6"/>
-                </a:solidFill>
-              </a:rPr>
-              <a:t>any</a:t>
-            </a:r>
-            <a:endParaRPr lang="en-CA" sz="2800" dirty="0">
-              <a:solidFill>
-                <a:schemeClr val="accent6"/>
-              </a:solidFill>
-            </a:endParaRPr>
-          </a:p>
-        </p:txBody>
-      </p:sp>
     </p:spTree>
     <p:extLst>
       <p:ext uri="{BB962C8B-B14F-4D97-AF65-F5344CB8AC3E}">
@@ -7407,6 +7356,10 @@
           </p:nvPr>
         </p:nvSpPr>
         <p:spPr>
+          <a:xfrm>
+            <a:off x="838200" y="365125"/>
+            <a:ext cx="10515600" cy="1325563"/>
+          </a:xfrm>
           <a:effectLst>
             <a:outerShdw blurRad="50800" dist="38100" dir="2700000" algn="tl" rotWithShape="0">
               <a:prstClr val="black">
@@ -7502,8 +7455,8 @@
         </p:nvSpPr>
         <p:spPr>
           <a:xfrm>
-            <a:off x="6643868" y="1825625"/>
-            <a:ext cx="4201610" cy="1754326"/>
+            <a:off x="5841506" y="2767280"/>
+            <a:ext cx="5726098" cy="1323439"/>
           </a:xfrm>
           <a:prstGeom prst="rect">
             <a:avLst/>
@@ -7516,6 +7469,7 @@
           </a:bodyPr>
           <a:lstStyle/>
           <a:p>
+            <a:pPr algn="ctr"/>
             <a:r>
               <a:rPr lang="en-US" sz="2800" b="1" dirty="0">
                 <a:solidFill>
@@ -7523,20 +7477,14 @@
                 </a:solidFill>
                 <a:latin typeface="+mj-lt"/>
               </a:rPr>
-              <a:t>Solution</a:t>
-            </a:r>
-            <a:r>
-              <a:rPr lang="en-US" sz="2800" b="1" dirty="0">
-                <a:latin typeface="+mj-lt"/>
-              </a:rPr>
-              <a:t>:</a:t>
-            </a:r>
-          </a:p>
-          <a:p>
-            <a:pPr marL="285750" indent="-285750">
-              <a:buFont typeface="Arial" panose="020B0604020202020204" pitchFamily="34" charset="0"/>
-              <a:buChar char="•"/>
-            </a:pPr>
+              <a:t>Solution!</a:t>
+            </a:r>
+            <a:endParaRPr lang="en-US" sz="2800" b="1" dirty="0">
+              <a:latin typeface="+mj-lt"/>
+            </a:endParaRPr>
+          </a:p>
+          <a:p>
+            <a:pPr algn="ctr"/>
             <a:r>
               <a:rPr lang="en-US" sz="2800" dirty="0">
                 <a:latin typeface="+mj-lt"/>
@@ -7645,7 +7593,7 @@
             <p:ph idx="1"/>
             <p:extLst>
               <p:ext uri="{D42A27DB-BD31-4B8C-83A1-F6EECF244321}">
-                <p14:modId xmlns:p14="http://schemas.microsoft.com/office/powerpoint/2010/main" val="449111369"/>
+                <p14:modId xmlns:p14="http://schemas.microsoft.com/office/powerpoint/2010/main" val="3303978096"/>
               </p:ext>
             </p:extLst>
           </p:nvPr>
@@ -7718,7 +7666,7 @@
                   <a:tcPr marL="68580" marR="68580" marT="0" marB="0" anchor="ctr">
                     <a:lnR w="12700" cap="flat" cmpd="sng" algn="ctr">
                       <a:solidFill>
-                        <a:schemeClr val="tx1"/>
+                        <a:schemeClr val="accent1"/>
                       </a:solidFill>
                       <a:prstDash val="solid"/>
                       <a:round/>
@@ -7772,7 +7720,7 @@
                   <a:tcPr marL="68580" marR="68580" marT="0" marB="0" anchor="ctr">
                     <a:lnL w="12700" cap="flat" cmpd="sng" algn="ctr">
                       <a:solidFill>
-                        <a:schemeClr val="tx1"/>
+                        <a:schemeClr val="accent1"/>
                       </a:solidFill>
                       <a:prstDash val="solid"/>
                       <a:round/>
@@ -8417,7 +8365,7 @@
                         </a:spcAft>
                       </a:pPr>
                       <a:r>
-                        <a:rPr lang="en-US" sz="3200">
+                        <a:rPr lang="en-US" sz="3200" dirty="0">
                           <a:effectLst/>
                         </a:rPr>
                         <a:t>Team Statistics</a:t>
@@ -8613,13 +8561,14 @@
           </a:bodyPr>
           <a:lstStyle/>
           <a:p>
+            <a:pPr algn="ctr"/>
             <a:r>
               <a:rPr lang="en-US" dirty="0">
                 <a:solidFill>
                   <a:schemeClr val="accent6"/>
                 </a:solidFill>
               </a:rPr>
-              <a:t>Project Plan : Deliverables</a:t>
+              <a:t>Project Plan</a:t>
             </a:r>
           </a:p>
         </p:txBody>
@@ -8639,7 +8588,7 @@
         <p:spPr>
           <a:xfrm>
             <a:off x="754602" y="1614243"/>
-            <a:ext cx="10537793" cy="3739485"/>
+            <a:ext cx="10537793" cy="3831818"/>
           </a:xfrm>
           <a:prstGeom prst="rect">
             <a:avLst/>
@@ -8658,7 +8607,7 @@
               </a:lnSpc>
             </a:pPr>
             <a:r>
-              <a:rPr lang="en-US" sz="2400" b="1" dirty="0">
+              <a:rPr lang="en-US" sz="2800" b="1" dirty="0">
                 <a:solidFill>
                   <a:schemeClr val="accent6"/>
                 </a:solidFill>
@@ -9430,7 +9379,7 @@
             </a:pPr>
             <a:r>
               <a:rPr lang="en-CA" dirty="0"/>
-              <a:t>unanimous decisions</a:t>
+              <a:t>unanimous decision making</a:t>
             </a:r>
           </a:p>
           <a:p>
@@ -9460,7 +9409,7 @@
             </a:pPr>
             <a:r>
               <a:rPr lang="en-CA" dirty="0"/>
-              <a:t>Milestone</a:t>
+              <a:t>Milestones</a:t>
             </a:r>
           </a:p>
           <a:p>
@@ -9807,11 +9756,7 @@
             </a:pPr>
             <a:r>
               <a:rPr lang="en-US" dirty="0"/>
-              <a:t>Creating Folder </a:t>
-            </a:r>
-            <a:r>
-              <a:rPr lang="en-US" dirty="0" err="1"/>
-              <a:t>Heirarchy</a:t>
+              <a:t>Creating Folder Hierarchy</a:t>
             </a:r>
             <a:endParaRPr lang="en-CA" dirty="0"/>
           </a:p>

--- a/docs/Capstone Presentation.pptx
+++ b/docs/Capstone Presentation.pptx
@@ -7100,7 +7100,7 @@
                   <a:schemeClr val="accent6"/>
                 </a:solidFill>
               </a:rPr>
-              <a:t>Finnish</a:t>
+              <a:t>Finish</a:t>
             </a:r>
             <a:endParaRPr lang="en-CA" dirty="0">
               <a:solidFill>
@@ -10227,7 +10227,7 @@
         </p:nvSpPr>
         <p:spPr>
           <a:xfrm>
-            <a:off x="1564073" y="4549675"/>
+            <a:off x="1564073" y="4141124"/>
             <a:ext cx="3920218" cy="1754326"/>
           </a:xfrm>
           <a:prstGeom prst="rect">
